--- a/Word/Diagrams/chapter5/chap5.figures.pptx
+++ b/Word/Diagrams/chapter5/chap5.figures.pptx
@@ -115,7 +115,7 @@
   </p:defaultTextStyle>
   <p:extLst>
     <p:ext uri="{EFAFB233-063F-42B5-8137-9DF3F51BA10A}">
-      <p15:sldGuideLst xmlns="" xmlns:p15="http://schemas.microsoft.com/office/powerpoint/2012/main">
+      <p15:sldGuideLst xmlns:p15="http://schemas.microsoft.com/office/powerpoint/2012/main">
         <p15:guide id="1" orient="horz" pos="2160">
           <p15:clr>
             <a:srgbClr val="A4A3A4"/>
@@ -215,7 +215,7 @@
             <a:fld id="{9CCF083D-F2BC-4786-8C77-844DFCD3515B}" type="datetimeFigureOut">
               <a:rPr lang="zh-TW" altLang="en-US" smtClean="0"/>
               <a:pPr/>
-              <a:t>2015/6/19</a:t>
+              <a:t>2021/4/21</a:t>
             </a:fld>
             <a:endParaRPr lang="zh-TW" altLang="en-US"/>
           </a:p>
@@ -279,35 +279,35 @@
           <a:p>
             <a:pPr lvl="0"/>
             <a:r>
-              <a:rPr lang="en-US" altLang="zh-TW" smtClean="0"/>
+              <a:rPr lang="en-US" altLang="zh-TW"/>
               <a:t>Click to edit Master text styles</a:t>
             </a:r>
           </a:p>
           <a:p>
             <a:pPr lvl="1"/>
             <a:r>
-              <a:rPr lang="en-US" altLang="zh-TW" smtClean="0"/>
+              <a:rPr lang="en-US" altLang="zh-TW"/>
               <a:t>Second level</a:t>
             </a:r>
           </a:p>
           <a:p>
             <a:pPr lvl="2"/>
             <a:r>
-              <a:rPr lang="en-US" altLang="zh-TW" smtClean="0"/>
+              <a:rPr lang="en-US" altLang="zh-TW"/>
               <a:t>Third level</a:t>
             </a:r>
           </a:p>
           <a:p>
             <a:pPr lvl="3"/>
             <a:r>
-              <a:rPr lang="en-US" altLang="zh-TW" smtClean="0"/>
+              <a:rPr lang="en-US" altLang="zh-TW"/>
               <a:t>Fourth level</a:t>
             </a:r>
           </a:p>
           <a:p>
             <a:pPr lvl="4"/>
             <a:r>
-              <a:rPr lang="en-US" altLang="zh-TW" smtClean="0"/>
+              <a:rPr lang="en-US" altLang="zh-TW"/>
               <a:t>Fifth level</a:t>
             </a:r>
             <a:endParaRPr lang="zh-TW" altLang="en-US"/>
@@ -703,7 +703,7 @@
           </a:lstStyle>
           <a:p>
             <a:r>
-              <a:rPr lang="en-US" smtClean="0"/>
+              <a:rPr lang="en-US"/>
               <a:t>Click to edit Master title style</a:t>
             </a:r>
             <a:endParaRPr lang="en-US" dirty="0"/>
@@ -824,7 +824,7 @@
           </a:lstStyle>
           <a:p>
             <a:r>
-              <a:rPr lang="en-US" smtClean="0"/>
+              <a:rPr lang="en-US"/>
               <a:t>Click to edit Master subtitle style</a:t>
             </a:r>
             <a:endParaRPr lang="en-US" dirty="0"/>
@@ -849,7 +849,7 @@
             <a:fld id="{E3D07B0C-BD95-41BE-BB3E-AC75822DF381}" type="datetimeFigureOut">
               <a:rPr lang="en-US" smtClean="0"/>
               <a:pPr/>
-              <a:t>6/19/2015</a:t>
+              <a:t>4/21/2021</a:t>
             </a:fld>
             <a:endParaRPr lang="en-US"/>
           </a:p>
@@ -939,10 +939,9 @@
           <a:lstStyle/>
           <a:p>
             <a:r>
-              <a:rPr lang="en-US" smtClean="0"/>
+              <a:rPr lang="en-US"/>
               <a:t>Click to edit Master title style</a:t>
             </a:r>
-            <a:endParaRPr lang="en-US"/>
           </a:p>
         </p:txBody>
       </p:sp>
@@ -963,38 +962,37 @@
           <a:p>
             <a:pPr lvl="0"/>
             <a:r>
-              <a:rPr lang="en-US" smtClean="0"/>
+              <a:rPr lang="en-US"/>
               <a:t>Click to edit Master text styles</a:t>
             </a:r>
           </a:p>
           <a:p>
             <a:pPr lvl="1"/>
             <a:r>
-              <a:rPr lang="en-US" smtClean="0"/>
+              <a:rPr lang="en-US"/>
               <a:t>Second level</a:t>
             </a:r>
           </a:p>
           <a:p>
             <a:pPr lvl="2"/>
             <a:r>
-              <a:rPr lang="en-US" smtClean="0"/>
+              <a:rPr lang="en-US"/>
               <a:t>Third level</a:t>
             </a:r>
           </a:p>
           <a:p>
             <a:pPr lvl="3"/>
             <a:r>
-              <a:rPr lang="en-US" smtClean="0"/>
+              <a:rPr lang="en-US"/>
               <a:t>Fourth level</a:t>
             </a:r>
           </a:p>
           <a:p>
             <a:pPr lvl="4"/>
             <a:r>
-              <a:rPr lang="en-US" smtClean="0"/>
+              <a:rPr lang="en-US"/>
               <a:t>Fifth level</a:t>
             </a:r>
-            <a:endParaRPr lang="en-US"/>
           </a:p>
         </p:txBody>
       </p:sp>
@@ -1016,7 +1014,7 @@
             <a:fld id="{E3D07B0C-BD95-41BE-BB3E-AC75822DF381}" type="datetimeFigureOut">
               <a:rPr lang="en-US" smtClean="0"/>
               <a:pPr/>
-              <a:t>6/19/2015</a:t>
+              <a:t>4/21/2021</a:t>
             </a:fld>
             <a:endParaRPr lang="en-US"/>
           </a:p>
@@ -1111,7 +1109,7 @@
           <a:lstStyle/>
           <a:p>
             <a:r>
-              <a:rPr lang="en-US" smtClean="0"/>
+              <a:rPr lang="en-US"/>
               <a:t>Click to edit Master title style</a:t>
             </a:r>
             <a:endParaRPr lang="en-US" dirty="0"/>
@@ -1140,38 +1138,37 @@
           <a:p>
             <a:pPr lvl="0"/>
             <a:r>
-              <a:rPr lang="en-US" smtClean="0"/>
+              <a:rPr lang="en-US"/>
               <a:t>Click to edit Master text styles</a:t>
             </a:r>
           </a:p>
           <a:p>
             <a:pPr lvl="1"/>
             <a:r>
-              <a:rPr lang="en-US" smtClean="0"/>
+              <a:rPr lang="en-US"/>
               <a:t>Second level</a:t>
             </a:r>
           </a:p>
           <a:p>
             <a:pPr lvl="2"/>
             <a:r>
-              <a:rPr lang="en-US" smtClean="0"/>
+              <a:rPr lang="en-US"/>
               <a:t>Third level</a:t>
             </a:r>
           </a:p>
           <a:p>
             <a:pPr lvl="3"/>
             <a:r>
-              <a:rPr lang="en-US" smtClean="0"/>
+              <a:rPr lang="en-US"/>
               <a:t>Fourth level</a:t>
             </a:r>
           </a:p>
           <a:p>
             <a:pPr lvl="4"/>
             <a:r>
-              <a:rPr lang="en-US" smtClean="0"/>
+              <a:rPr lang="en-US"/>
               <a:t>Fifth level</a:t>
             </a:r>
-            <a:endParaRPr lang="en-US"/>
           </a:p>
         </p:txBody>
       </p:sp>
@@ -1193,7 +1190,7 @@
             <a:fld id="{E3D07B0C-BD95-41BE-BB3E-AC75822DF381}" type="datetimeFigureOut">
               <a:rPr lang="en-US" smtClean="0"/>
               <a:pPr/>
-              <a:t>6/19/2015</a:t>
+              <a:t>4/21/2021</a:t>
             </a:fld>
             <a:endParaRPr lang="en-US"/>
           </a:p>
@@ -1283,10 +1280,9 @@
           <a:lstStyle/>
           <a:p>
             <a:r>
-              <a:rPr lang="en-US" smtClean="0"/>
+              <a:rPr lang="en-US"/>
               <a:t>Click to edit Master title style</a:t>
             </a:r>
-            <a:endParaRPr lang="en-US"/>
           </a:p>
         </p:txBody>
       </p:sp>
@@ -1307,38 +1303,37 @@
           <a:p>
             <a:pPr lvl="0"/>
             <a:r>
-              <a:rPr lang="en-US" smtClean="0"/>
+              <a:rPr lang="en-US"/>
               <a:t>Click to edit Master text styles</a:t>
             </a:r>
           </a:p>
           <a:p>
             <a:pPr lvl="1"/>
             <a:r>
-              <a:rPr lang="en-US" smtClean="0"/>
+              <a:rPr lang="en-US"/>
               <a:t>Second level</a:t>
             </a:r>
           </a:p>
           <a:p>
             <a:pPr lvl="2"/>
             <a:r>
-              <a:rPr lang="en-US" smtClean="0"/>
+              <a:rPr lang="en-US"/>
               <a:t>Third level</a:t>
             </a:r>
           </a:p>
           <a:p>
             <a:pPr lvl="3"/>
             <a:r>
-              <a:rPr lang="en-US" smtClean="0"/>
+              <a:rPr lang="en-US"/>
               <a:t>Fourth level</a:t>
             </a:r>
           </a:p>
           <a:p>
             <a:pPr lvl="4"/>
             <a:r>
-              <a:rPr lang="en-US" smtClean="0"/>
+              <a:rPr lang="en-US"/>
               <a:t>Fifth level</a:t>
             </a:r>
-            <a:endParaRPr lang="en-US"/>
           </a:p>
         </p:txBody>
       </p:sp>
@@ -1360,7 +1355,7 @@
             <a:fld id="{E3D07B0C-BD95-41BE-BB3E-AC75822DF381}" type="datetimeFigureOut">
               <a:rPr lang="en-US" smtClean="0"/>
               <a:pPr/>
-              <a:t>6/19/2015</a:t>
+              <a:t>4/21/2021</a:t>
             </a:fld>
             <a:endParaRPr lang="en-US"/>
           </a:p>
@@ -1459,7 +1454,7 @@
           </a:lstStyle>
           <a:p>
             <a:r>
-              <a:rPr lang="en-US" smtClean="0"/>
+              <a:rPr lang="en-US"/>
               <a:t>Click to edit Master title style</a:t>
             </a:r>
             <a:endParaRPr lang="en-US" dirty="0"/>
@@ -1579,7 +1574,7 @@
           <a:p>
             <a:pPr lvl="0"/>
             <a:r>
-              <a:rPr lang="en-US" smtClean="0"/>
+              <a:rPr lang="en-US"/>
               <a:t>Click to edit Master text styles</a:t>
             </a:r>
           </a:p>
@@ -1603,7 +1598,7 @@
             <a:fld id="{E3D07B0C-BD95-41BE-BB3E-AC75822DF381}" type="datetimeFigureOut">
               <a:rPr lang="en-US" smtClean="0"/>
               <a:pPr/>
-              <a:t>6/19/2015</a:t>
+              <a:t>4/21/2021</a:t>
             </a:fld>
             <a:endParaRPr lang="en-US"/>
           </a:p>
@@ -1693,10 +1688,9 @@
           <a:lstStyle/>
           <a:p>
             <a:r>
-              <a:rPr lang="en-US" smtClean="0"/>
+              <a:rPr lang="en-US"/>
               <a:t>Click to edit Master title style</a:t>
             </a:r>
-            <a:endParaRPr lang="en-US"/>
           </a:p>
         </p:txBody>
       </p:sp>
@@ -1750,35 +1744,35 @@
           <a:p>
             <a:pPr lvl="0"/>
             <a:r>
-              <a:rPr lang="en-US" smtClean="0"/>
+              <a:rPr lang="en-US"/>
               <a:t>Click to edit Master text styles</a:t>
             </a:r>
           </a:p>
           <a:p>
             <a:pPr lvl="1"/>
             <a:r>
-              <a:rPr lang="en-US" smtClean="0"/>
+              <a:rPr lang="en-US"/>
               <a:t>Second level</a:t>
             </a:r>
           </a:p>
           <a:p>
             <a:pPr lvl="2"/>
             <a:r>
-              <a:rPr lang="en-US" smtClean="0"/>
+              <a:rPr lang="en-US"/>
               <a:t>Third level</a:t>
             </a:r>
           </a:p>
           <a:p>
             <a:pPr lvl="3"/>
             <a:r>
-              <a:rPr lang="en-US" smtClean="0"/>
+              <a:rPr lang="en-US"/>
               <a:t>Fourth level</a:t>
             </a:r>
           </a:p>
           <a:p>
             <a:pPr lvl="4"/>
             <a:r>
-              <a:rPr lang="en-US" smtClean="0"/>
+              <a:rPr lang="en-US"/>
               <a:t>Fifth level</a:t>
             </a:r>
             <a:endParaRPr lang="en-US" dirty="0"/>
@@ -1835,35 +1829,35 @@
           <a:p>
             <a:pPr lvl="0"/>
             <a:r>
-              <a:rPr lang="en-US" smtClean="0"/>
+              <a:rPr lang="en-US"/>
               <a:t>Click to edit Master text styles</a:t>
             </a:r>
           </a:p>
           <a:p>
             <a:pPr lvl="1"/>
             <a:r>
-              <a:rPr lang="en-US" smtClean="0"/>
+              <a:rPr lang="en-US"/>
               <a:t>Second level</a:t>
             </a:r>
           </a:p>
           <a:p>
             <a:pPr lvl="2"/>
             <a:r>
-              <a:rPr lang="en-US" smtClean="0"/>
+              <a:rPr lang="en-US"/>
               <a:t>Third level</a:t>
             </a:r>
           </a:p>
           <a:p>
             <a:pPr lvl="3"/>
             <a:r>
-              <a:rPr lang="en-US" smtClean="0"/>
+              <a:rPr lang="en-US"/>
               <a:t>Fourth level</a:t>
             </a:r>
           </a:p>
           <a:p>
             <a:pPr lvl="4"/>
             <a:r>
-              <a:rPr lang="en-US" smtClean="0"/>
+              <a:rPr lang="en-US"/>
               <a:t>Fifth level</a:t>
             </a:r>
             <a:endParaRPr lang="en-US" dirty="0"/>
@@ -1888,7 +1882,7 @@
             <a:fld id="{E3D07B0C-BD95-41BE-BB3E-AC75822DF381}" type="datetimeFigureOut">
               <a:rPr lang="en-US" smtClean="0"/>
               <a:pPr/>
-              <a:t>6/19/2015</a:t>
+              <a:t>4/21/2021</a:t>
             </a:fld>
             <a:endParaRPr lang="en-US"/>
           </a:p>
@@ -1982,10 +1976,9 @@
           </a:lstStyle>
           <a:p>
             <a:r>
-              <a:rPr lang="en-US" smtClean="0"/>
+              <a:rPr lang="en-US"/>
               <a:t>Click to edit Master title style</a:t>
             </a:r>
-            <a:endParaRPr lang="en-US"/>
           </a:p>
         </p:txBody>
       </p:sp>
@@ -2054,7 +2047,7 @@
           <a:p>
             <a:pPr lvl="0"/>
             <a:r>
-              <a:rPr lang="en-US" smtClean="0"/>
+              <a:rPr lang="en-US"/>
               <a:t>Click to edit Master text styles</a:t>
             </a:r>
           </a:p>
@@ -2110,35 +2103,35 @@
           <a:p>
             <a:pPr lvl="0"/>
             <a:r>
-              <a:rPr lang="en-US" smtClean="0"/>
+              <a:rPr lang="en-US"/>
               <a:t>Click to edit Master text styles</a:t>
             </a:r>
           </a:p>
           <a:p>
             <a:pPr lvl="1"/>
             <a:r>
-              <a:rPr lang="en-US" smtClean="0"/>
+              <a:rPr lang="en-US"/>
               <a:t>Second level</a:t>
             </a:r>
           </a:p>
           <a:p>
             <a:pPr lvl="2"/>
             <a:r>
-              <a:rPr lang="en-US" smtClean="0"/>
+              <a:rPr lang="en-US"/>
               <a:t>Third level</a:t>
             </a:r>
           </a:p>
           <a:p>
             <a:pPr lvl="3"/>
             <a:r>
-              <a:rPr lang="en-US" smtClean="0"/>
+              <a:rPr lang="en-US"/>
               <a:t>Fourth level</a:t>
             </a:r>
           </a:p>
           <a:p>
             <a:pPr lvl="4"/>
             <a:r>
-              <a:rPr lang="en-US" smtClean="0"/>
+              <a:rPr lang="en-US"/>
               <a:t>Fifth level</a:t>
             </a:r>
             <a:endParaRPr lang="en-US" dirty="0"/>
@@ -2210,7 +2203,7 @@
           <a:p>
             <a:pPr lvl="0"/>
             <a:r>
-              <a:rPr lang="en-US" smtClean="0"/>
+              <a:rPr lang="en-US"/>
               <a:t>Click to edit Master text styles</a:t>
             </a:r>
           </a:p>
@@ -2266,38 +2259,37 @@
           <a:p>
             <a:pPr lvl="0"/>
             <a:r>
-              <a:rPr lang="en-US" smtClean="0"/>
+              <a:rPr lang="en-US"/>
               <a:t>Click to edit Master text styles</a:t>
             </a:r>
           </a:p>
           <a:p>
             <a:pPr lvl="1"/>
             <a:r>
-              <a:rPr lang="en-US" smtClean="0"/>
+              <a:rPr lang="en-US"/>
               <a:t>Second level</a:t>
             </a:r>
           </a:p>
           <a:p>
             <a:pPr lvl="2"/>
             <a:r>
-              <a:rPr lang="en-US" smtClean="0"/>
+              <a:rPr lang="en-US"/>
               <a:t>Third level</a:t>
             </a:r>
           </a:p>
           <a:p>
             <a:pPr lvl="3"/>
             <a:r>
-              <a:rPr lang="en-US" smtClean="0"/>
+              <a:rPr lang="en-US"/>
               <a:t>Fourth level</a:t>
             </a:r>
           </a:p>
           <a:p>
             <a:pPr lvl="4"/>
             <a:r>
-              <a:rPr lang="en-US" smtClean="0"/>
+              <a:rPr lang="en-US"/>
               <a:t>Fifth level</a:t>
             </a:r>
-            <a:endParaRPr lang="en-US"/>
           </a:p>
         </p:txBody>
       </p:sp>
@@ -2319,7 +2311,7 @@
             <a:fld id="{E3D07B0C-BD95-41BE-BB3E-AC75822DF381}" type="datetimeFigureOut">
               <a:rPr lang="en-US" smtClean="0"/>
               <a:pPr/>
-              <a:t>6/19/2015</a:t>
+              <a:t>4/21/2021</a:t>
             </a:fld>
             <a:endParaRPr lang="en-US"/>
           </a:p>
@@ -2409,10 +2401,9 @@
           <a:lstStyle/>
           <a:p>
             <a:r>
-              <a:rPr lang="en-US" smtClean="0"/>
+              <a:rPr lang="en-US"/>
               <a:t>Click to edit Master title style</a:t>
             </a:r>
-            <a:endParaRPr lang="en-US"/>
           </a:p>
         </p:txBody>
       </p:sp>
@@ -2434,7 +2425,7 @@
             <a:fld id="{E3D07B0C-BD95-41BE-BB3E-AC75822DF381}" type="datetimeFigureOut">
               <a:rPr lang="en-US" smtClean="0"/>
               <a:pPr/>
-              <a:t>6/19/2015</a:t>
+              <a:t>4/21/2021</a:t>
             </a:fld>
             <a:endParaRPr lang="en-US"/>
           </a:p>
@@ -2526,7 +2517,7 @@
             <a:fld id="{E3D07B0C-BD95-41BE-BB3E-AC75822DF381}" type="datetimeFigureOut">
               <a:rPr lang="en-US" smtClean="0"/>
               <a:pPr/>
-              <a:t>6/19/2015</a:t>
+              <a:t>4/21/2021</a:t>
             </a:fld>
             <a:endParaRPr lang="en-US"/>
           </a:p>
@@ -2625,7 +2616,7 @@
           </a:lstStyle>
           <a:p>
             <a:r>
-              <a:rPr lang="en-US" smtClean="0"/>
+              <a:rPr lang="en-US"/>
               <a:t>Click to edit Master title style</a:t>
             </a:r>
             <a:endParaRPr lang="en-US" dirty="0"/>
@@ -2693,7 +2684,7 @@
           <a:p>
             <a:pPr lvl="0"/>
             <a:r>
-              <a:rPr lang="en-US" smtClean="0"/>
+              <a:rPr lang="en-US"/>
               <a:t>Click to edit Master text styles</a:t>
             </a:r>
           </a:p>
@@ -2717,7 +2708,7 @@
             <a:fld id="{E3D07B0C-BD95-41BE-BB3E-AC75822DF381}" type="datetimeFigureOut">
               <a:rPr lang="en-US" smtClean="0"/>
               <a:pPr/>
-              <a:t>6/19/2015</a:t>
+              <a:t>4/21/2021</a:t>
             </a:fld>
             <a:endParaRPr lang="en-US"/>
           </a:p>
@@ -2788,38 +2779,37 @@
           <a:p>
             <a:pPr lvl="0"/>
             <a:r>
-              <a:rPr lang="en-US" smtClean="0"/>
+              <a:rPr lang="en-US"/>
               <a:t>Click to edit Master text styles</a:t>
             </a:r>
           </a:p>
           <a:p>
             <a:pPr lvl="1"/>
             <a:r>
-              <a:rPr lang="en-US" smtClean="0"/>
+              <a:rPr lang="en-US"/>
               <a:t>Second level</a:t>
             </a:r>
           </a:p>
           <a:p>
             <a:pPr lvl="2"/>
             <a:r>
-              <a:rPr lang="en-US" smtClean="0"/>
+              <a:rPr lang="en-US"/>
               <a:t>Third level</a:t>
             </a:r>
           </a:p>
           <a:p>
             <a:pPr lvl="3"/>
             <a:r>
-              <a:rPr lang="en-US" smtClean="0"/>
+              <a:rPr lang="en-US"/>
               <a:t>Fourth level</a:t>
             </a:r>
           </a:p>
           <a:p>
             <a:pPr lvl="4"/>
             <a:r>
-              <a:rPr lang="en-US" smtClean="0"/>
+              <a:rPr lang="en-US"/>
               <a:t>Fifth level</a:t>
             </a:r>
-            <a:endParaRPr lang="en-US"/>
           </a:p>
         </p:txBody>
       </p:sp>
@@ -2880,7 +2870,7 @@
           </a:lstStyle>
           <a:p>
             <a:r>
-              <a:rPr lang="en-US" smtClean="0"/>
+              <a:rPr lang="en-US"/>
               <a:t>Click to edit Master title style</a:t>
             </a:r>
             <a:endParaRPr lang="en-US" dirty="0"/>
@@ -2945,7 +2935,7 @@
           </a:lstStyle>
           <a:p>
             <a:r>
-              <a:rPr lang="en-US" smtClean="0"/>
+              <a:rPr lang="en-US"/>
               <a:t>Click icon to add picture</a:t>
             </a:r>
             <a:endParaRPr lang="en-US" dirty="0"/>
@@ -3013,7 +3003,7 @@
           <a:p>
             <a:pPr lvl="0"/>
             <a:r>
-              <a:rPr lang="en-US" smtClean="0"/>
+              <a:rPr lang="en-US"/>
               <a:t>Click to edit Master text styles</a:t>
             </a:r>
           </a:p>
@@ -3037,7 +3027,7 @@
             <a:fld id="{E3D07B0C-BD95-41BE-BB3E-AC75822DF381}" type="datetimeFigureOut">
               <a:rPr lang="en-US" smtClean="0"/>
               <a:pPr/>
-              <a:t>6/19/2015</a:t>
+              <a:t>4/21/2021</a:t>
             </a:fld>
             <a:endParaRPr lang="en-US"/>
           </a:p>
@@ -3142,7 +3132,7 @@
           <a:lstStyle/>
           <a:p>
             <a:r>
-              <a:rPr lang="en-US" smtClean="0"/>
+              <a:rPr lang="en-US"/>
               <a:t>Click to edit Master title style</a:t>
             </a:r>
             <a:endParaRPr lang="en-US" dirty="0"/>
@@ -3176,35 +3166,35 @@
           <a:p>
             <a:pPr lvl="0"/>
             <a:r>
-              <a:rPr lang="en-US" smtClean="0"/>
+              <a:rPr lang="en-US"/>
               <a:t>Click to edit Master text styles</a:t>
             </a:r>
           </a:p>
           <a:p>
             <a:pPr lvl="1"/>
             <a:r>
-              <a:rPr lang="en-US" smtClean="0"/>
+              <a:rPr lang="en-US"/>
               <a:t>Second level</a:t>
             </a:r>
           </a:p>
           <a:p>
             <a:pPr lvl="2"/>
             <a:r>
-              <a:rPr lang="en-US" smtClean="0"/>
+              <a:rPr lang="en-US"/>
               <a:t>Third level</a:t>
             </a:r>
           </a:p>
           <a:p>
             <a:pPr lvl="3"/>
             <a:r>
-              <a:rPr lang="en-US" smtClean="0"/>
+              <a:rPr lang="en-US"/>
               <a:t>Fourth level</a:t>
             </a:r>
           </a:p>
           <a:p>
             <a:pPr lvl="4"/>
             <a:r>
-              <a:rPr lang="en-US" smtClean="0"/>
+              <a:rPr lang="en-US"/>
               <a:t>Fifth level</a:t>
             </a:r>
             <a:endParaRPr lang="en-US" dirty="0"/>
@@ -3419,7 +3409,7 @@
             <a:fld id="{E3D07B0C-BD95-41BE-BB3E-AC75822DF381}" type="datetimeFigureOut">
               <a:rPr lang="en-US" smtClean="0"/>
               <a:pPr/>
-              <a:t>6/19/2015</a:t>
+              <a:t>4/21/2021</a:t>
             </a:fld>
             <a:endParaRPr lang="en-US"/>
           </a:p>
@@ -3821,7 +3811,7 @@
                         <m:dPr>
                           <m:ctrlPr>
                             <a:rPr lang="en-US" sz="800" b="0" i="1" smtClean="0">
-                              <a:latin typeface="Cambria Math"/>
+                              <a:latin typeface="Cambria Math" panose="02040503050406030204" pitchFamily="18" charset="0"/>
                             </a:rPr>
                           </m:ctrlPr>
                         </m:dPr>
@@ -3837,7 +3827,7 @@
                     </m:oMath>
                   </m:oMathPara>
                 </a14:m>
-                <a:endParaRPr lang="en-US" sz="800" b="0" dirty="0" smtClean="0"/>
+                <a:endParaRPr lang="en-US" sz="800" b="0" dirty="0"/>
               </a:p>
             </p:txBody>
           </p:sp>
@@ -4011,7 +4001,7 @@
             <a:lstStyle/>
             <a:p>
               <a:r>
-                <a:rPr lang="en-US" sz="800" b="0" dirty="0" smtClean="0"/>
+                <a:rPr lang="en-US" sz="800" b="0" dirty="0"/>
                 <a:t>u</a:t>
               </a:r>
             </a:p>
@@ -4114,7 +4104,7 @@
             <a:lstStyle/>
             <a:p>
               <a:r>
-                <a:rPr lang="en-US" sz="800" b="0" dirty="0" smtClean="0"/>
+                <a:rPr lang="en-US" sz="800" b="0" dirty="0"/>
                 <a:t>v</a:t>
               </a:r>
             </a:p>
@@ -4156,7 +4146,7 @@
                         <m:dPr>
                           <m:ctrlPr>
                             <a:rPr lang="en-US" sz="800" b="0" i="1" smtClean="0">
-                              <a:latin typeface="Cambria Math"/>
+                              <a:latin typeface="Cambria Math" panose="02040503050406030204" pitchFamily="18" charset="0"/>
                             </a:rPr>
                           </m:ctrlPr>
                         </m:dPr>
@@ -4172,7 +4162,7 @@
                     </m:oMath>
                   </m:oMathPara>
                 </a14:m>
-                <a:endParaRPr lang="en-US" sz="800" b="0" dirty="0" smtClean="0"/>
+                <a:endParaRPr lang="en-US" sz="800" b="0" dirty="0"/>
               </a:p>
             </p:txBody>
           </p:sp>
@@ -4251,7 +4241,7 @@
                         <m:dPr>
                           <m:ctrlPr>
                             <a:rPr lang="en-US" sz="800" b="0" i="1" smtClean="0">
-                              <a:latin typeface="Cambria Math"/>
+                              <a:latin typeface="Cambria Math" panose="02040503050406030204" pitchFamily="18" charset="0"/>
                             </a:rPr>
                           </m:ctrlPr>
                         </m:dPr>
@@ -4267,7 +4257,7 @@
                     </m:oMath>
                   </m:oMathPara>
                 </a14:m>
-                <a:endParaRPr lang="en-US" sz="800" b="0" dirty="0" smtClean="0"/>
+                <a:endParaRPr lang="en-US" sz="800" b="0" dirty="0"/>
               </a:p>
             </p:txBody>
           </p:sp>
@@ -4346,7 +4336,7 @@
                         <m:dPr>
                           <m:ctrlPr>
                             <a:rPr lang="en-US" sz="800" b="0" i="1" smtClean="0">
-                              <a:latin typeface="Cambria Math"/>
+                              <a:latin typeface="Cambria Math" panose="02040503050406030204" pitchFamily="18" charset="0"/>
                             </a:rPr>
                           </m:ctrlPr>
                         </m:dPr>
@@ -4362,7 +4352,7 @@
                     </m:oMath>
                   </m:oMathPara>
                 </a14:m>
-                <a:endParaRPr lang="en-US" sz="800" b="0" dirty="0" smtClean="0"/>
+                <a:endParaRPr lang="en-US" sz="800" b="0" dirty="0"/>
               </a:p>
             </p:txBody>
           </p:sp>
@@ -4411,13 +4401,6 @@
   <p:clrMapOvr>
     <a:masterClrMapping/>
   </p:clrMapOvr>
-  <p:timing>
-    <p:tnLst>
-      <p:par>
-        <p:cTn id="1" dur="indefinite" restart="never" nodeType="tmRoot"/>
-      </p:par>
-    </p:tnLst>
-  </p:timing>
 </p:sld>
 </file>
 
@@ -4524,7 +4507,7 @@
                           <m:dPr>
                             <m:ctrlPr>
                               <a:rPr lang="en-US" sz="800" b="0" i="1" smtClean="0">
-                                <a:latin typeface="Cambria Math"/>
+                                <a:latin typeface="Cambria Math" panose="02040503050406030204" pitchFamily="18" charset="0"/>
                               </a:rPr>
                             </m:ctrlPr>
                           </m:dPr>
@@ -4540,7 +4523,7 @@
                       </m:oMath>
                     </m:oMathPara>
                   </a14:m>
-                  <a:endParaRPr lang="en-US" sz="800" b="0" dirty="0" smtClean="0"/>
+                  <a:endParaRPr lang="en-US" sz="800" b="0" dirty="0"/>
                 </a:p>
               </p:txBody>
             </p:sp>
@@ -4712,7 +4695,7 @@
                           <m:dPr>
                             <m:ctrlPr>
                               <a:rPr lang="en-US" sz="800" b="0" i="1" smtClean="0">
-                                <a:latin typeface="Cambria Math"/>
+                                <a:latin typeface="Cambria Math" panose="02040503050406030204" pitchFamily="18" charset="0"/>
                               </a:rPr>
                             </m:ctrlPr>
                           </m:dPr>
@@ -4728,7 +4711,7 @@
                       </m:oMath>
                     </m:oMathPara>
                   </a14:m>
-                  <a:endParaRPr lang="en-US" sz="800" b="0" dirty="0" smtClean="0"/>
+                  <a:endParaRPr lang="en-US" sz="800" b="0" dirty="0"/>
                 </a:p>
               </p:txBody>
             </p:sp>
@@ -4807,7 +4790,7 @@
                           <m:dPr>
                             <m:ctrlPr>
                               <a:rPr lang="en-US" sz="800" b="0" i="1" smtClean="0">
-                                <a:latin typeface="Cambria Math"/>
+                                <a:latin typeface="Cambria Math" panose="02040503050406030204" pitchFamily="18" charset="0"/>
                               </a:rPr>
                             </m:ctrlPr>
                           </m:dPr>
@@ -4823,7 +4806,7 @@
                       </m:oMath>
                     </m:oMathPara>
                   </a14:m>
-                  <a:endParaRPr lang="en-US" sz="800" b="0" dirty="0" smtClean="0"/>
+                  <a:endParaRPr lang="en-US" sz="800" b="0" dirty="0"/>
                 </a:p>
               </p:txBody>
             </p:sp>
@@ -4902,7 +4885,7 @@
                           <m:dPr>
                             <m:ctrlPr>
                               <a:rPr lang="en-US" sz="800" b="0" i="1" smtClean="0">
-                                <a:latin typeface="Cambria Math"/>
+                                <a:latin typeface="Cambria Math" panose="02040503050406030204" pitchFamily="18" charset="0"/>
                               </a:rPr>
                             </m:ctrlPr>
                           </m:dPr>
@@ -4918,7 +4901,7 @@
                       </m:oMath>
                     </m:oMathPara>
                   </a14:m>
-                  <a:endParaRPr lang="en-US" sz="800" b="0" dirty="0" smtClean="0"/>
+                  <a:endParaRPr lang="en-US" sz="800" b="0" dirty="0"/>
                 </a:p>
               </p:txBody>
             </p:sp>
@@ -5042,7 +5025,7 @@
                         <m:dPr>
                           <m:ctrlPr>
                             <a:rPr lang="en-US" sz="800" b="0" i="1" smtClean="0">
-                              <a:latin typeface="Cambria Math"/>
+                              <a:latin typeface="Cambria Math" panose="02040503050406030204" pitchFamily="18" charset="0"/>
                             </a:rPr>
                           </m:ctrlPr>
                         </m:dPr>
@@ -5058,7 +5041,7 @@
                     </m:oMath>
                   </m:oMathPara>
                 </a14:m>
-                <a:endParaRPr lang="en-US" sz="800" b="0" dirty="0" smtClean="0"/>
+                <a:endParaRPr lang="en-US" sz="800" b="0" dirty="0"/>
               </a:p>
             </p:txBody>
           </p:sp>
@@ -5137,7 +5120,7 @@
                         <m:dPr>
                           <m:ctrlPr>
                             <a:rPr lang="en-US" sz="800" b="0" i="1" smtClean="0">
-                              <a:latin typeface="Cambria Math"/>
+                              <a:latin typeface="Cambria Math" panose="02040503050406030204" pitchFamily="18" charset="0"/>
                             </a:rPr>
                           </m:ctrlPr>
                         </m:dPr>
@@ -5153,7 +5136,7 @@
                     </m:oMath>
                   </m:oMathPara>
                 </a14:m>
-                <a:endParaRPr lang="en-US" sz="800" b="0" dirty="0" smtClean="0"/>
+                <a:endParaRPr lang="en-US" sz="800" b="0" dirty="0"/>
               </a:p>
             </p:txBody>
           </p:sp>
@@ -5232,7 +5215,7 @@
                         <m:dPr>
                           <m:ctrlPr>
                             <a:rPr lang="en-US" sz="800" b="0" i="1" smtClean="0">
-                              <a:latin typeface="Cambria Math"/>
+                              <a:latin typeface="Cambria Math" panose="02040503050406030204" pitchFamily="18" charset="0"/>
                             </a:rPr>
                           </m:ctrlPr>
                         </m:dPr>
@@ -5248,7 +5231,7 @@
                     </m:oMath>
                   </m:oMathPara>
                 </a14:m>
-                <a:endParaRPr lang="en-US" sz="800" b="0" dirty="0" smtClean="0"/>
+                <a:endParaRPr lang="en-US" sz="800" b="0" dirty="0"/>
               </a:p>
             </p:txBody>
           </p:sp>
@@ -5327,7 +5310,7 @@
                         <m:dPr>
                           <m:ctrlPr>
                             <a:rPr lang="en-US" sz="800" b="0" i="1" smtClean="0">
-                              <a:latin typeface="Cambria Math"/>
+                              <a:latin typeface="Cambria Math" panose="02040503050406030204" pitchFamily="18" charset="0"/>
                             </a:rPr>
                           </m:ctrlPr>
                         </m:dPr>
@@ -5343,7 +5326,7 @@
                     </m:oMath>
                   </m:oMathPara>
                 </a14:m>
-                <a:endParaRPr lang="en-US" sz="800" b="0" dirty="0" smtClean="0"/>
+                <a:endParaRPr lang="en-US" sz="800" b="0" dirty="0"/>
               </a:p>
             </p:txBody>
           </p:sp>
@@ -5739,7 +5722,7 @@
           <a:lstStyle/>
           <a:p>
             <a:r>
-              <a:rPr lang="en-US" altLang="zh-TW" sz="800" dirty="0" smtClean="0"/>
+              <a:rPr lang="en-US" altLang="zh-TW" sz="800" dirty="0"/>
               <a:t>y</a:t>
             </a:r>
             <a:endParaRPr lang="zh-TW" altLang="en-US" sz="800" dirty="0"/>
@@ -5769,7 +5752,7 @@
           <a:lstStyle/>
           <a:p>
             <a:r>
-              <a:rPr lang="en-US" altLang="zh-TW" sz="800" dirty="0" smtClean="0"/>
+              <a:rPr lang="en-US" altLang="zh-TW" sz="800" dirty="0"/>
               <a:t>Model Space</a:t>
             </a:r>
             <a:endParaRPr lang="zh-TW" altLang="en-US" sz="800" dirty="0"/>
@@ -5799,7 +5782,7 @@
           <a:lstStyle/>
           <a:p>
             <a:r>
-              <a:rPr lang="en-US" altLang="zh-TW" sz="800" dirty="0" smtClean="0"/>
+              <a:rPr lang="en-US" altLang="zh-TW" sz="800" dirty="0"/>
               <a:t>Texture Space</a:t>
             </a:r>
             <a:endParaRPr lang="zh-TW" altLang="en-US" sz="800" dirty="0"/>
@@ -5829,7 +5812,7 @@
           <a:lstStyle/>
           <a:p>
             <a:r>
-              <a:rPr lang="en-US" altLang="zh-TW" sz="800" dirty="0" smtClean="0"/>
+              <a:rPr lang="en-US" altLang="zh-TW" sz="800" dirty="0"/>
               <a:t>x</a:t>
             </a:r>
             <a:endParaRPr lang="zh-TW" altLang="en-US" sz="800" dirty="0"/>
@@ -5846,13 +5829,6 @@
   <p:clrMapOvr>
     <a:masterClrMapping/>
   </p:clrMapOvr>
-  <p:timing>
-    <p:tnLst>
-      <p:par>
-        <p:cTn id="1" dur="indefinite" restart="never" nodeType="tmRoot"/>
-      </p:par>
-    </p:tnLst>
-  </p:timing>
 </p:sld>
 </file>
 
@@ -5911,7 +5887,7 @@
             <a:p>
               <a:pPr algn="ctr"/>
               <a:r>
-                <a:rPr lang="en-US" altLang="zh-TW" sz="1000" dirty="0" smtClean="0"/>
+                <a:rPr lang="en-US" altLang="zh-TW" sz="1000" dirty="0"/>
                 <a:t>Engine/Game State</a:t>
               </a:r>
               <a:endParaRPr lang="zh-TW" altLang="en-US" sz="1000" dirty="0"/>
@@ -5942,7 +5918,7 @@
             <a:p>
               <a:pPr algn="ctr"/>
               <a:r>
-                <a:rPr lang="en-US" altLang="zh-TW" sz="1000" dirty="0" smtClean="0"/>
+                <a:rPr lang="en-US" altLang="zh-TW" sz="1000" dirty="0"/>
                 <a:t>Image State</a:t>
               </a:r>
               <a:endParaRPr lang="zh-TW" altLang="en-US" sz="1000" dirty="0"/>
@@ -5973,7 +5949,7 @@
             <a:p>
               <a:pPr algn="ctr"/>
               <a:r>
-                <a:rPr lang="en-US" altLang="zh-TW" sz="1000" dirty="0" smtClean="0"/>
+                <a:rPr lang="en-US" altLang="zh-TW" sz="1000" dirty="0"/>
                 <a:t>Operations</a:t>
               </a:r>
               <a:endParaRPr lang="zh-TW" altLang="en-US" sz="1000" dirty="0"/>
@@ -6050,7 +6026,7 @@
                 <a:p>
                   <a:pPr algn="ctr"/>
                   <a:r>
-                    <a:rPr lang="en-US" altLang="zh-TW" sz="800" dirty="0" smtClean="0"/>
+                    <a:rPr lang="en-US" altLang="zh-TW" sz="800" dirty="0"/>
                     <a:t>Image in Server</a:t>
                   </a:r>
                   <a:endParaRPr lang="zh-TW" altLang="en-US" sz="800" dirty="0"/>
@@ -6142,11 +6118,11 @@
                 <a:p>
                   <a:pPr algn="ctr"/>
                   <a:r>
-                    <a:rPr lang="en-US" altLang="zh-TW" sz="800" dirty="0" err="1" smtClean="0"/>
-                    <a:t>VertexBuffer.initialize</a:t>
+                    <a:rPr lang="en-US" altLang="zh-TW" sz="800" dirty="0" err="1"/>
+                    <a:t>vertexBuffer.init</a:t>
                   </a:r>
                   <a:r>
-                    <a:rPr lang="en-US" altLang="zh-TW" sz="800" dirty="0" smtClean="0"/>
+                    <a:rPr lang="en-US" altLang="zh-TW" sz="800" dirty="0"/>
                     <a:t>()</a:t>
                   </a:r>
                   <a:endParaRPr lang="zh-TW" altLang="en-US" sz="800" dirty="0"/>
@@ -6284,16 +6260,8 @@
                 <a:p>
                   <a:pPr algn="ctr"/>
                   <a:r>
-                    <a:rPr lang="en-US" altLang="zh-TW" sz="800" dirty="0" smtClean="0"/>
-                    <a:t>_</a:t>
-                  </a:r>
-                  <a:r>
-                    <a:rPr lang="en-US" altLang="zh-TW" sz="800" dirty="0" err="1" smtClean="0"/>
-                    <a:t>initializeWebGL</a:t>
-                  </a:r>
-                  <a:r>
-                    <a:rPr lang="en-US" altLang="zh-TW" sz="800" dirty="0" smtClean="0"/>
-                    <a:t>()</a:t>
+                    <a:rPr lang="en-US" altLang="zh-TW" sz="800" dirty="0"/>
+                    <a:t>gl.init()</a:t>
                   </a:r>
                   <a:endParaRPr lang="zh-TW" altLang="en-US" sz="800" dirty="0"/>
                 </a:p>
@@ -6324,16 +6292,8 @@
               <a:p>
                 <a:pPr algn="ctr"/>
                 <a:r>
-                  <a:rPr lang="en-US" altLang="zh-TW" sz="800" dirty="0" smtClean="0"/>
-                  <a:t>Engine and </a:t>
-                </a:r>
-                <a:r>
-                  <a:rPr lang="en-US" altLang="zh-TW" sz="800" dirty="0" err="1" smtClean="0"/>
-                  <a:t>WebGL</a:t>
-                </a:r>
-                <a:r>
-                  <a:rPr lang="en-US" altLang="zh-TW" sz="800" dirty="0" smtClean="0"/>
-                  <a:t> Initialization</a:t>
+                  <a:rPr lang="en-US" altLang="zh-TW" sz="800" dirty="0"/>
+                  <a:t>Engine and WebGL Initialization</a:t>
                 </a:r>
                 <a:endParaRPr lang="zh-TW" altLang="en-US" sz="800" dirty="0"/>
               </a:p>
@@ -6515,15 +6475,11 @@
                 <a:p>
                   <a:pPr algn="ctr"/>
                   <a:r>
-                    <a:rPr lang="en-US" altLang="zh-TW" sz="800" dirty="0" smtClean="0"/>
-                    <a:t>_</a:t>
-                  </a:r>
-                  <a:r>
-                    <a:rPr lang="en-US" altLang="zh-TW" sz="800" dirty="0" err="1" smtClean="0"/>
+                    <a:rPr lang="en-US" altLang="zh-TW" sz="800" dirty="0" err="1"/>
                     <a:t>processLoadedImage</a:t>
                   </a:r>
                   <a:r>
-                    <a:rPr lang="en-US" altLang="zh-TW" sz="800" dirty="0" smtClean="0"/>
+                    <a:rPr lang="en-US" altLang="zh-TW" sz="800" dirty="0"/>
                     <a:t>()</a:t>
                   </a:r>
                   <a:endParaRPr lang="zh-TW" altLang="en-US" sz="800" dirty="0"/>
@@ -6601,7 +6557,7 @@
               <a:p>
                 <a:pPr algn="ctr"/>
                 <a:r>
-                  <a:rPr lang="en-US" altLang="zh-TW" sz="800" dirty="0" smtClean="0"/>
+                  <a:rPr lang="en-US" altLang="zh-TW" sz="800" dirty="0"/>
                   <a:t>Scene Initialization and Loading</a:t>
                 </a:r>
                 <a:endParaRPr lang="zh-TW" altLang="en-US" sz="800" dirty="0"/>
@@ -6692,11 +6648,11 @@
                 <a:p>
                   <a:pPr algn="ctr"/>
                   <a:r>
-                    <a:rPr lang="en-US" altLang="zh-TW" sz="800" dirty="0" err="1" smtClean="0"/>
-                    <a:t>loadTexture</a:t>
+                    <a:rPr lang="en-US" altLang="zh-TW" sz="800" dirty="0" err="1"/>
+                    <a:t>texture.load</a:t>
                   </a:r>
                   <a:r>
-                    <a:rPr lang="en-US" altLang="zh-TW" sz="800" dirty="0" smtClean="0"/>
+                    <a:rPr lang="en-US" altLang="zh-TW" sz="800" dirty="0"/>
                     <a:t>()</a:t>
                   </a:r>
                   <a:endParaRPr lang="zh-TW" altLang="en-US" sz="800" dirty="0"/>
@@ -6745,7 +6701,7 @@
                 <a:p>
                   <a:pPr algn="ctr"/>
                   <a:r>
-                    <a:rPr lang="en-US" altLang="zh-TW" sz="800" dirty="0" smtClean="0"/>
+                    <a:rPr lang="en-US" altLang="zh-TW" sz="800" dirty="0"/>
                     <a:t>Image in Memory</a:t>
                   </a:r>
                   <a:endParaRPr lang="zh-TW" altLang="en-US" sz="800" dirty="0"/>
@@ -6975,7 +6931,7 @@
                 <a:p>
                   <a:pPr algn="ctr"/>
                   <a:r>
-                    <a:rPr lang="en-US" altLang="zh-TW" sz="800" dirty="0" smtClean="0"/>
+                    <a:rPr lang="en-US" altLang="zh-TW" sz="800" dirty="0"/>
                     <a:t>Drawn on Canvas</a:t>
                   </a:r>
                   <a:endParaRPr lang="zh-TW" altLang="en-US" sz="800" dirty="0"/>
@@ -7067,11 +7023,11 @@
                 <a:p>
                   <a:pPr algn="ctr"/>
                   <a:r>
-                    <a:rPr lang="en-US" altLang="zh-TW" sz="800" dirty="0" err="1" smtClean="0"/>
+                    <a:rPr lang="en-US" altLang="zh-TW" sz="800" dirty="0" err="1"/>
                     <a:t>TextureRenderable.draw</a:t>
                   </a:r>
                   <a:r>
-                    <a:rPr lang="en-US" altLang="zh-TW" sz="800" dirty="0" smtClean="0"/>
+                    <a:rPr lang="en-US" altLang="zh-TW" sz="800" dirty="0"/>
                     <a:t>()</a:t>
                   </a:r>
                   <a:endParaRPr lang="zh-TW" altLang="en-US" sz="800" dirty="0"/>
@@ -7163,11 +7119,11 @@
                 <a:p>
                   <a:pPr algn="ctr"/>
                   <a:r>
-                    <a:rPr lang="en-US" altLang="zh-TW" sz="800" dirty="0" err="1" smtClean="0"/>
+                    <a:rPr lang="en-US" altLang="zh-TW" sz="800" dirty="0" err="1"/>
                     <a:t>WebGL</a:t>
                   </a:r>
                   <a:r>
-                    <a:rPr lang="en-US" altLang="zh-TW" sz="800" dirty="0" smtClean="0"/>
+                    <a:rPr lang="en-US" altLang="zh-TW" sz="800" dirty="0"/>
                     <a:t> Texture</a:t>
                   </a:r>
                   <a:endParaRPr lang="zh-TW" altLang="en-US" sz="800" dirty="0"/>
@@ -7259,11 +7215,11 @@
                 <a:p>
                   <a:pPr algn="ctr"/>
                   <a:r>
-                    <a:rPr lang="en-US" altLang="zh-TW" sz="800" dirty="0" err="1" smtClean="0"/>
-                    <a:t>activateTexture</a:t>
+                    <a:rPr lang="en-US" altLang="zh-TW" sz="800" dirty="0" err="1"/>
+                    <a:t>texture.activate</a:t>
                   </a:r>
                   <a:r>
-                    <a:rPr lang="en-US" altLang="zh-TW" sz="800" dirty="0" smtClean="0"/>
+                    <a:rPr lang="en-US" altLang="zh-TW" sz="800" dirty="0"/>
                     <a:t>()</a:t>
                   </a:r>
                   <a:endParaRPr lang="zh-TW" altLang="en-US" sz="800" dirty="0"/>
@@ -7358,11 +7314,11 @@
                 <a:p>
                   <a:pPr algn="ctr"/>
                   <a:r>
-                    <a:rPr lang="en-US" altLang="zh-TW" sz="800" dirty="0" smtClean="0"/>
+                    <a:rPr lang="en-US" altLang="zh-TW" sz="800" dirty="0"/>
                     <a:t>Data Fetched for </a:t>
                   </a:r>
                   <a:r>
-                    <a:rPr lang="en-US" altLang="zh-TW" sz="800" dirty="0" err="1" smtClean="0"/>
+                    <a:rPr lang="en-US" altLang="zh-TW" sz="800" dirty="0" err="1"/>
                     <a:t>Shader</a:t>
                   </a:r>
                   <a:endParaRPr lang="zh-TW" altLang="en-US" sz="800" dirty="0"/>
@@ -7440,7 +7396,7 @@
               <a:p>
                 <a:pPr algn="ctr"/>
                 <a:r>
-                  <a:rPr lang="en-US" altLang="zh-TW" sz="800" dirty="0" smtClean="0"/>
+                  <a:rPr lang="en-US" altLang="zh-TW" sz="800" dirty="0"/>
                   <a:t>Game Loop</a:t>
                 </a:r>
                 <a:endParaRPr lang="zh-TW" altLang="en-US" sz="800" dirty="0"/>
@@ -7531,11 +7487,11 @@
                 <a:p>
                   <a:pPr algn="ctr"/>
                   <a:r>
-                    <a:rPr lang="en-US" altLang="zh-TW" sz="800" dirty="0" smtClean="0"/>
+                    <a:rPr lang="en-US" altLang="zh-TW" sz="800" dirty="0"/>
                     <a:t>void main(void) of GLSL </a:t>
                   </a:r>
                   <a:r>
-                    <a:rPr lang="en-US" altLang="zh-TW" sz="800" dirty="0" err="1" smtClean="0"/>
+                    <a:rPr lang="en-US" altLang="zh-TW" sz="800" dirty="0" err="1"/>
                     <a:t>Shaders</a:t>
                   </a:r>
                   <a:endParaRPr lang="zh-TW" altLang="en-US" sz="800" dirty="0"/>
@@ -7719,7 +7675,7 @@
                 <a:p>
                   <a:pPr algn="ctr"/>
                   <a:r>
-                    <a:rPr lang="en-US" altLang="zh-TW" sz="800" dirty="0" smtClean="0"/>
+                    <a:rPr lang="en-US" altLang="zh-TW" sz="800" dirty="0"/>
                     <a:t>Removed from Memory</a:t>
                   </a:r>
                   <a:endParaRPr lang="zh-TW" altLang="en-US" sz="800" dirty="0"/>
@@ -7797,7 +7753,7 @@
               <a:p>
                 <a:pPr algn="ctr"/>
                 <a:r>
-                  <a:rPr lang="en-US" altLang="zh-TW" sz="800" dirty="0" smtClean="0"/>
+                  <a:rPr lang="en-US" altLang="zh-TW" sz="800" dirty="0"/>
                   <a:t>Scene Unload</a:t>
                 </a:r>
                 <a:endParaRPr lang="zh-TW" altLang="en-US" sz="800" dirty="0"/>
@@ -7872,8 +7828,8 @@
               </p:nvSpPr>
               <p:spPr>
                 <a:xfrm>
-                  <a:off x="4668901" y="3389376"/>
-                  <a:ext cx="836227" cy="215444"/>
+                  <a:off x="4641293" y="3389376"/>
+                  <a:ext cx="863836" cy="215444"/>
                 </a:xfrm>
                 <a:prstGeom prst="rect">
                   <a:avLst/>
@@ -7888,11 +7844,11 @@
                 <a:p>
                   <a:pPr algn="ctr"/>
                   <a:r>
-                    <a:rPr lang="en-US" altLang="zh-TW" sz="800" dirty="0" err="1" smtClean="0"/>
-                    <a:t>unloadTexture</a:t>
+                    <a:rPr lang="en-US" altLang="zh-TW" sz="800" dirty="0" err="1"/>
+                    <a:t>texture.unload</a:t>
                   </a:r>
                   <a:r>
-                    <a:rPr lang="en-US" altLang="zh-TW" sz="800" dirty="0" smtClean="0"/>
+                    <a:rPr lang="en-US" altLang="zh-TW" sz="800" dirty="0"/>
                     <a:t>()</a:t>
                   </a:r>
                   <a:endParaRPr lang="zh-TW" altLang="en-US" sz="800" dirty="0"/>
@@ -8485,13 +8441,6 @@
   <p:clrMapOvr>
     <a:masterClrMapping/>
   </p:clrMapOvr>
-  <p:timing>
-    <p:tnLst>
-      <p:par>
-        <p:cTn id="1" dur="indefinite" restart="never" nodeType="tmRoot"/>
-      </p:par>
-    </p:tnLst>
-  </p:timing>
 </p:sld>
 </file>
 
@@ -8565,7 +8514,7 @@
           <a:lstStyle/>
           <a:p>
             <a:r>
-              <a:rPr lang="en-US" altLang="zh-TW" sz="800" dirty="0" smtClean="0"/>
+              <a:rPr lang="en-US" altLang="zh-TW" sz="800" dirty="0"/>
               <a:t>1024</a:t>
             </a:r>
             <a:endParaRPr lang="zh-TW" altLang="en-US" sz="800" dirty="0"/>
@@ -8687,7 +8636,7 @@
           <a:lstStyle/>
           <a:p>
             <a:r>
-              <a:rPr lang="en-US" altLang="zh-TW" sz="800" dirty="0" smtClean="0"/>
+              <a:rPr lang="en-US" altLang="zh-TW" sz="800" dirty="0"/>
               <a:t>512</a:t>
             </a:r>
             <a:endParaRPr lang="zh-TW" altLang="en-US" sz="800" dirty="0"/>
@@ -8717,7 +8666,7 @@
           <a:lstStyle/>
           <a:p>
             <a:r>
-              <a:rPr lang="en-US" altLang="zh-TW" sz="800" dirty="0" smtClean="0"/>
+              <a:rPr lang="en-US" altLang="zh-TW" sz="800" dirty="0"/>
               <a:t>204 </a:t>
             </a:r>
             <a:endParaRPr lang="zh-TW" altLang="en-US" sz="800" dirty="0"/>
@@ -8784,7 +8733,7 @@
           <a:lstStyle/>
           <a:p>
             <a:r>
-              <a:rPr lang="en-US" altLang="zh-TW" sz="800" dirty="0" smtClean="0"/>
+              <a:rPr lang="en-US" altLang="zh-TW" sz="800" dirty="0"/>
               <a:t>164 </a:t>
             </a:r>
             <a:endParaRPr lang="zh-TW" altLang="en-US" sz="800" dirty="0"/>
@@ -9112,7 +9061,7 @@
           <a:lstStyle/>
           <a:p>
             <a:r>
-              <a:rPr lang="en-US" altLang="zh-TW" sz="800" dirty="0" smtClean="0"/>
+              <a:rPr lang="en-US" altLang="zh-TW" sz="800" dirty="0"/>
               <a:t>164 </a:t>
             </a:r>
             <a:endParaRPr lang="zh-TW" altLang="en-US" sz="800" dirty="0"/>
@@ -9283,7 +9232,7 @@
           <a:lstStyle/>
           <a:p>
             <a:r>
-              <a:rPr lang="en-US" altLang="zh-TW" sz="800" dirty="0" smtClean="0"/>
+              <a:rPr lang="en-US" altLang="zh-TW" sz="800" dirty="0"/>
               <a:t>180 </a:t>
             </a:r>
             <a:endParaRPr lang="zh-TW" altLang="en-US" sz="800" dirty="0"/>
@@ -9409,7 +9358,7 @@
           <a:lstStyle/>
           <a:p>
             <a:r>
-              <a:rPr lang="en-US" altLang="zh-TW" sz="800" dirty="0" smtClean="0"/>
+              <a:rPr lang="en-US" altLang="zh-TW" sz="800" dirty="0"/>
               <a:t>328</a:t>
             </a:r>
             <a:endParaRPr lang="zh-TW" altLang="en-US" sz="800" dirty="0"/>
@@ -9439,7 +9388,7 @@
           <a:lstStyle/>
           <a:p>
             <a:r>
-              <a:rPr lang="en-US" altLang="zh-TW" sz="800" dirty="0" smtClean="0"/>
+              <a:rPr lang="en-US" altLang="zh-TW" sz="800" dirty="0"/>
               <a:t>(0, 184)</a:t>
             </a:r>
           </a:p>
@@ -9504,7 +9453,7 @@
           <a:lstStyle/>
           <a:p>
             <a:r>
-              <a:rPr lang="en-US" altLang="zh-TW" sz="800" dirty="0" smtClean="0"/>
+              <a:rPr lang="en-US" altLang="zh-TW" sz="800" dirty="0"/>
               <a:t>(5, 0)</a:t>
             </a:r>
           </a:p>
@@ -9569,7 +9518,7 @@
           <a:lstStyle/>
           <a:p>
             <a:r>
-              <a:rPr lang="en-US" altLang="zh-TW" sz="800" dirty="0" smtClean="0"/>
+              <a:rPr lang="en-US" altLang="zh-TW" sz="800" dirty="0"/>
               <a:t>(130, 0)</a:t>
             </a:r>
           </a:p>
@@ -9670,14 +9619,9 @@
           <a:lstStyle/>
           <a:p>
             <a:r>
-              <a:rPr lang="en-US" altLang="zh-TW" sz="800" dirty="0" smtClean="0"/>
-              <a:t>(315, 0</a:t>
+              <a:rPr lang="en-US" altLang="zh-TW" sz="800" dirty="0"/>
+              <a:t>(315, 0)</a:t>
             </a:r>
-            <a:r>
-              <a:rPr lang="en-US" altLang="zh-TW" sz="800" dirty="0"/>
-              <a:t>)</a:t>
-            </a:r>
-            <a:endParaRPr lang="en-US" altLang="zh-TW" sz="800" dirty="0" smtClean="0"/>
           </a:p>
         </p:txBody>
       </p:sp>
@@ -9704,7 +9648,7 @@
           <a:lstStyle/>
           <a:p>
             <a:r>
-              <a:rPr lang="en-US" altLang="zh-TW" sz="800" dirty="0" smtClean="0"/>
+              <a:rPr lang="en-US" altLang="zh-TW" sz="800" dirty="0"/>
               <a:t>180 </a:t>
             </a:r>
             <a:endParaRPr lang="zh-TW" altLang="en-US" sz="800" dirty="0"/>
@@ -9734,7 +9678,7 @@
           <a:lstStyle/>
           <a:p>
             <a:r>
-              <a:rPr lang="en-US" altLang="zh-TW" sz="800" dirty="0" smtClean="0"/>
+              <a:rPr lang="en-US" altLang="zh-TW" sz="800" dirty="0"/>
               <a:t>120 </a:t>
             </a:r>
             <a:endParaRPr lang="zh-TW" altLang="en-US" sz="800" dirty="0"/>
@@ -9764,7 +9708,7 @@
           <a:lstStyle/>
           <a:p>
             <a:r>
-              <a:rPr lang="en-US" altLang="zh-TW" sz="800" dirty="0" smtClean="0"/>
+              <a:rPr lang="en-US" altLang="zh-TW" sz="800" dirty="0"/>
               <a:t>180 </a:t>
             </a:r>
             <a:endParaRPr lang="zh-TW" altLang="en-US" sz="800" dirty="0"/>
@@ -10072,7 +10016,7 @@
           <a:p>
             <a:pPr algn="ctr"/>
             <a:r>
-              <a:rPr lang="en-US" altLang="zh-TW" sz="900" dirty="0" smtClean="0"/>
+              <a:rPr lang="en-US" altLang="zh-TW" sz="900" dirty="0"/>
               <a:t>UV Values</a:t>
             </a:r>
             <a:endParaRPr lang="zh-TW" altLang="en-US" sz="900" dirty="0"/>
@@ -10103,7 +10047,7 @@
           <a:p>
             <a:pPr algn="ctr"/>
             <a:r>
-              <a:rPr lang="en-US" altLang="zh-TW" sz="900" dirty="0" smtClean="0"/>
+              <a:rPr lang="en-US" altLang="zh-TW" sz="900" dirty="0"/>
               <a:t>Use in Model Space</a:t>
             </a:r>
             <a:endParaRPr lang="zh-TW" altLang="en-US" sz="900" dirty="0"/>
@@ -10145,7 +10089,7 @@
                         <m:dPr>
                           <m:ctrlPr>
                             <a:rPr lang="en-US" altLang="zh-TW" sz="800" b="0" i="1" smtClean="0">
-                              <a:latin typeface="Cambria Math"/>
+                              <a:latin typeface="Cambria Math" panose="02040503050406030204" pitchFamily="18" charset="0"/>
                             </a:rPr>
                           </m:ctrlPr>
                         </m:dPr>
@@ -10240,7 +10184,7 @@
                         <m:dPr>
                           <m:ctrlPr>
                             <a:rPr lang="en-US" altLang="zh-TW" sz="800" b="0" i="1" smtClean="0">
-                              <a:latin typeface="Cambria Math"/>
+                              <a:latin typeface="Cambria Math" panose="02040503050406030204" pitchFamily="18" charset="0"/>
                             </a:rPr>
                           </m:ctrlPr>
                         </m:dPr>
@@ -10349,7 +10293,7 @@
                         <m:fPr>
                           <m:ctrlPr>
                             <a:rPr lang="en-US" altLang="zh-TW" sz="800" i="1" smtClean="0">
-                              <a:latin typeface="Cambria Math"/>
+                              <a:latin typeface="Cambria Math" panose="02040503050406030204" pitchFamily="18" charset="0"/>
                               <a:ea typeface="Cambria Math"/>
                             </a:rPr>
                           </m:ctrlPr>
@@ -10483,7 +10427,7 @@
                         <m:fPr>
                           <m:ctrlPr>
                             <a:rPr lang="en-US" altLang="zh-TW" sz="800" i="1" smtClean="0">
-                              <a:latin typeface="Cambria Math"/>
+                              <a:latin typeface="Cambria Math" panose="02040503050406030204" pitchFamily="18" charset="0"/>
                               <a:ea typeface="Cambria Math"/>
                             </a:rPr>
                           </m:ctrlPr>
@@ -10617,7 +10561,7 @@
                         <m:fPr>
                           <m:ctrlPr>
                             <a:rPr lang="en-US" altLang="zh-TW" sz="800" i="1" smtClean="0">
-                              <a:latin typeface="Cambria Math"/>
+                              <a:latin typeface="Cambria Math" panose="02040503050406030204" pitchFamily="18" charset="0"/>
                               <a:ea typeface="Cambria Math"/>
                             </a:rPr>
                           </m:ctrlPr>
@@ -10751,7 +10695,7 @@
                         <m:fPr>
                           <m:ctrlPr>
                             <a:rPr lang="en-US" altLang="zh-TW" sz="800" i="1" smtClean="0">
-                              <a:latin typeface="Cambria Math"/>
+                              <a:latin typeface="Cambria Math" panose="02040503050406030204" pitchFamily="18" charset="0"/>
                               <a:ea typeface="Cambria Math"/>
                             </a:rPr>
                           </m:ctrlPr>
@@ -10871,7 +10815,7 @@
                         <m:dPr>
                           <m:ctrlPr>
                             <a:rPr lang="en-US" altLang="zh-TW" sz="800" b="0" i="1" smtClean="0">
-                              <a:latin typeface="Cambria Math"/>
+                              <a:latin typeface="Cambria Math" panose="02040503050406030204" pitchFamily="18" charset="0"/>
                             </a:rPr>
                           </m:ctrlPr>
                         </m:dPr>
@@ -10907,7 +10851,7 @@
                         <m:dPr>
                           <m:ctrlPr>
                             <a:rPr lang="en-US" altLang="zh-TW" sz="800" b="0" i="1" smtClean="0">
-                              <a:latin typeface="Cambria Math"/>
+                              <a:latin typeface="Cambria Math" panose="02040503050406030204" pitchFamily="18" charset="0"/>
                               <a:ea typeface="Cambria Math"/>
                             </a:rPr>
                           </m:ctrlPr>
@@ -10925,7 +10869,7 @@
                     </m:oMath>
                   </m:oMathPara>
                 </a14:m>
-                <a:endParaRPr lang="en-US" altLang="zh-TW" sz="800" dirty="0" smtClean="0"/>
+                <a:endParaRPr lang="en-US" altLang="zh-TW" sz="800" dirty="0"/>
               </a:p>
               <a:p>
                 <a:pPr/>
@@ -10939,7 +10883,7 @@
                         <m:dPr>
                           <m:ctrlPr>
                             <a:rPr lang="en-US" altLang="zh-TW" sz="800" i="1" smtClean="0">
-                              <a:latin typeface="Cambria Math"/>
+                              <a:latin typeface="Cambria Math" panose="02040503050406030204" pitchFamily="18" charset="0"/>
                             </a:rPr>
                           </m:ctrlPr>
                         </m:dPr>
@@ -10975,7 +10919,7 @@
                         <m:dPr>
                           <m:ctrlPr>
                             <a:rPr lang="en-US" altLang="zh-TW" sz="800" i="1" smtClean="0">
-                              <a:latin typeface="Cambria Math"/>
+                              <a:latin typeface="Cambria Math" panose="02040503050406030204" pitchFamily="18" charset="0"/>
                               <a:ea typeface="Cambria Math"/>
                             </a:rPr>
                           </m:ctrlPr>
@@ -10993,7 +10937,7 @@
                     </m:oMath>
                   </m:oMathPara>
                 </a14:m>
-                <a:endParaRPr lang="en-US" altLang="zh-TW" sz="800" dirty="0" smtClean="0"/>
+                <a:endParaRPr lang="en-US" altLang="zh-TW" sz="800" dirty="0"/>
               </a:p>
             </p:txBody>
           </p:sp>
@@ -11259,7 +11203,7 @@
                         <m:dPr>
                           <m:ctrlPr>
                             <a:rPr lang="en-US" altLang="zh-TW" sz="800" b="0" i="1" smtClean="0">
-                              <a:latin typeface="Cambria Math"/>
+                              <a:latin typeface="Cambria Math" panose="02040503050406030204" pitchFamily="18" charset="0"/>
                             </a:rPr>
                           </m:ctrlPr>
                         </m:dPr>
@@ -11295,7 +11239,7 @@
                         <m:dPr>
                           <m:ctrlPr>
                             <a:rPr lang="en-US" altLang="zh-TW" sz="800" b="0" i="1" smtClean="0">
-                              <a:latin typeface="Cambria Math"/>
+                              <a:latin typeface="Cambria Math" panose="02040503050406030204" pitchFamily="18" charset="0"/>
                               <a:ea typeface="Cambria Math"/>
                             </a:rPr>
                           </m:ctrlPr>
@@ -11313,7 +11257,7 @@
                     </m:oMath>
                   </m:oMathPara>
                 </a14:m>
-                <a:endParaRPr lang="en-US" altLang="zh-TW" sz="800" dirty="0" smtClean="0"/>
+                <a:endParaRPr lang="en-US" altLang="zh-TW" sz="800" dirty="0"/>
               </a:p>
               <a:p>
                 <a:pPr/>
@@ -11327,7 +11271,7 @@
                         <m:dPr>
                           <m:ctrlPr>
                             <a:rPr lang="en-US" altLang="zh-TW" sz="800" i="1" smtClean="0">
-                              <a:latin typeface="Cambria Math"/>
+                              <a:latin typeface="Cambria Math" panose="02040503050406030204" pitchFamily="18" charset="0"/>
                             </a:rPr>
                           </m:ctrlPr>
                         </m:dPr>
@@ -11363,7 +11307,7 @@
                         <m:dPr>
                           <m:ctrlPr>
                             <a:rPr lang="en-US" altLang="zh-TW" sz="800" i="1" smtClean="0">
-                              <a:latin typeface="Cambria Math"/>
+                              <a:latin typeface="Cambria Math" panose="02040503050406030204" pitchFamily="18" charset="0"/>
                               <a:ea typeface="Cambria Math"/>
                             </a:rPr>
                           </m:ctrlPr>
@@ -11381,7 +11325,7 @@
                     </m:oMath>
                   </m:oMathPara>
                 </a14:m>
-                <a:endParaRPr lang="en-US" altLang="zh-TW" sz="800" dirty="0" smtClean="0"/>
+                <a:endParaRPr lang="en-US" altLang="zh-TW" sz="800" dirty="0"/>
               </a:p>
             </p:txBody>
           </p:sp>
@@ -11460,7 +11404,7 @@
                         <m:dPr>
                           <m:ctrlPr>
                             <a:rPr lang="en-US" altLang="zh-TW" sz="800" b="0" i="1" smtClean="0">
-                              <a:latin typeface="Cambria Math"/>
+                              <a:latin typeface="Cambria Math" panose="02040503050406030204" pitchFamily="18" charset="0"/>
                             </a:rPr>
                           </m:ctrlPr>
                         </m:dPr>
@@ -11496,7 +11440,7 @@
                         <m:dPr>
                           <m:ctrlPr>
                             <a:rPr lang="en-US" altLang="zh-TW" sz="800" b="0" i="1" smtClean="0">
-                              <a:latin typeface="Cambria Math"/>
+                              <a:latin typeface="Cambria Math" panose="02040503050406030204" pitchFamily="18" charset="0"/>
                               <a:ea typeface="Cambria Math"/>
                             </a:rPr>
                           </m:ctrlPr>
@@ -11514,7 +11458,7 @@
                     </m:oMath>
                   </m:oMathPara>
                 </a14:m>
-                <a:endParaRPr lang="en-US" altLang="zh-TW" sz="800" dirty="0" smtClean="0"/>
+                <a:endParaRPr lang="en-US" altLang="zh-TW" sz="800" dirty="0"/>
               </a:p>
               <a:p>
                 <a:pPr/>
@@ -11528,7 +11472,7 @@
                         <m:dPr>
                           <m:ctrlPr>
                             <a:rPr lang="en-US" altLang="zh-TW" sz="800" i="1" smtClean="0">
-                              <a:latin typeface="Cambria Math"/>
+                              <a:latin typeface="Cambria Math" panose="02040503050406030204" pitchFamily="18" charset="0"/>
                             </a:rPr>
                           </m:ctrlPr>
                         </m:dPr>
@@ -11564,7 +11508,7 @@
                         <m:dPr>
                           <m:ctrlPr>
                             <a:rPr lang="en-US" altLang="zh-TW" sz="800" i="1" smtClean="0">
-                              <a:latin typeface="Cambria Math"/>
+                              <a:latin typeface="Cambria Math" panose="02040503050406030204" pitchFamily="18" charset="0"/>
                               <a:ea typeface="Cambria Math"/>
                             </a:rPr>
                           </m:ctrlPr>
@@ -11582,7 +11526,7 @@
                     </m:oMath>
                   </m:oMathPara>
                 </a14:m>
-                <a:endParaRPr lang="en-US" altLang="zh-TW" sz="800" dirty="0" smtClean="0"/>
+                <a:endParaRPr lang="en-US" altLang="zh-TW" sz="800" dirty="0"/>
               </a:p>
             </p:txBody>
           </p:sp>
@@ -11661,7 +11605,7 @@
                         <m:dPr>
                           <m:ctrlPr>
                             <a:rPr lang="en-US" altLang="zh-TW" sz="800" b="0" i="1" smtClean="0">
-                              <a:latin typeface="Cambria Math"/>
+                              <a:latin typeface="Cambria Math" panose="02040503050406030204" pitchFamily="18" charset="0"/>
                             </a:rPr>
                           </m:ctrlPr>
                         </m:dPr>
@@ -11697,7 +11641,7 @@
                         <m:dPr>
                           <m:ctrlPr>
                             <a:rPr lang="en-US" altLang="zh-TW" sz="800" b="0" i="1" smtClean="0">
-                              <a:latin typeface="Cambria Math"/>
+                              <a:latin typeface="Cambria Math" panose="02040503050406030204" pitchFamily="18" charset="0"/>
                               <a:ea typeface="Cambria Math"/>
                             </a:rPr>
                           </m:ctrlPr>
@@ -11715,7 +11659,7 @@
                     </m:oMath>
                   </m:oMathPara>
                 </a14:m>
-                <a:endParaRPr lang="en-US" altLang="zh-TW" sz="800" dirty="0" smtClean="0"/>
+                <a:endParaRPr lang="en-US" altLang="zh-TW" sz="800" dirty="0"/>
               </a:p>
               <a:p>
                 <a:pPr/>
@@ -11729,7 +11673,7 @@
                         <m:dPr>
                           <m:ctrlPr>
                             <a:rPr lang="en-US" altLang="zh-TW" sz="800" i="1" smtClean="0">
-                              <a:latin typeface="Cambria Math"/>
+                              <a:latin typeface="Cambria Math" panose="02040503050406030204" pitchFamily="18" charset="0"/>
                             </a:rPr>
                           </m:ctrlPr>
                         </m:dPr>
@@ -11765,7 +11709,7 @@
                         <m:dPr>
                           <m:ctrlPr>
                             <a:rPr lang="en-US" altLang="zh-TW" sz="800" i="1" smtClean="0">
-                              <a:latin typeface="Cambria Math"/>
+                              <a:latin typeface="Cambria Math" panose="02040503050406030204" pitchFamily="18" charset="0"/>
                               <a:ea typeface="Cambria Math"/>
                             </a:rPr>
                           </m:ctrlPr>
@@ -11783,7 +11727,7 @@
                     </m:oMath>
                   </m:oMathPara>
                 </a14:m>
-                <a:endParaRPr lang="en-US" altLang="zh-TW" sz="800" dirty="0" smtClean="0"/>
+                <a:endParaRPr lang="en-US" altLang="zh-TW" sz="800" dirty="0"/>
               </a:p>
             </p:txBody>
           </p:sp>
@@ -12052,7 +11996,7 @@
           <a:p>
             <a:pPr algn="ctr"/>
             <a:r>
-              <a:rPr lang="en-US" altLang="zh-TW" sz="900" dirty="0" smtClean="0"/>
+              <a:rPr lang="en-US" altLang="zh-TW" sz="900" dirty="0"/>
               <a:t>Pixel Positions</a:t>
             </a:r>
             <a:endParaRPr lang="zh-TW" altLang="en-US" sz="900" dirty="0"/>
@@ -12094,7 +12038,7 @@
                         <m:dPr>
                           <m:ctrlPr>
                             <a:rPr lang="en-US" altLang="zh-TW" sz="800" b="0" i="1" smtClean="0">
-                              <a:latin typeface="Cambria Math"/>
+                              <a:latin typeface="Cambria Math" panose="02040503050406030204" pitchFamily="18" charset="0"/>
                             </a:rPr>
                           </m:ctrlPr>
                         </m:dPr>
@@ -12189,7 +12133,7 @@
                         <m:dPr>
                           <m:ctrlPr>
                             <a:rPr lang="en-US" altLang="zh-TW" sz="800" b="0" i="1" smtClean="0">
-                              <a:latin typeface="Cambria Math"/>
+                              <a:latin typeface="Cambria Math" panose="02040503050406030204" pitchFamily="18" charset="0"/>
                             </a:rPr>
                           </m:ctrlPr>
                         </m:dPr>
@@ -12284,7 +12228,7 @@
                         <m:dPr>
                           <m:ctrlPr>
                             <a:rPr lang="en-US" altLang="zh-TW" sz="800" b="0" i="1" smtClean="0">
-                              <a:latin typeface="Cambria Math"/>
+                              <a:latin typeface="Cambria Math" panose="02040503050406030204" pitchFamily="18" charset="0"/>
                             </a:rPr>
                           </m:ctrlPr>
                         </m:dPr>
@@ -12379,7 +12323,7 @@
                         <m:dPr>
                           <m:ctrlPr>
                             <a:rPr lang="en-US" altLang="zh-TW" sz="800" b="0" i="1" smtClean="0">
-                              <a:latin typeface="Cambria Math"/>
+                              <a:latin typeface="Cambria Math" panose="02040503050406030204" pitchFamily="18" charset="0"/>
                             </a:rPr>
                           </m:ctrlPr>
                         </m:dPr>
